--- a/THE RIGHT SWIPE - Mockups.pptx
+++ b/THE RIGHT SWIPE - Mockups.pptx
@@ -7,7 +7,8 @@
   <p:sldIdLst>
     <p:sldId id="256" r:id="rId2"/>
     <p:sldId id="257" r:id="rId3"/>
-    <p:sldId id="258" r:id="rId4"/>
+    <p:sldId id="259" r:id="rId4"/>
+    <p:sldId id="258" r:id="rId5"/>
   </p:sldIdLst>
   <p:sldSz cx="12192000" cy="6858000"/>
   <p:notesSz cx="6858000" cy="9144000"/>
@@ -106,6 +107,11 @@
       </a:defRPr>
     </a:lvl9pPr>
   </p:defaultTextStyle>
+  <p:extLst>
+    <p:ext uri="{EFAFB233-063F-42B5-8137-9DF3F51BA10A}">
+      <p15:sldGuideLst xmlns:p15="http://schemas.microsoft.com/office/powerpoint/2012/main"/>
+    </p:ext>
+  </p:extLst>
 </p:presentation>
 </file>
 
@@ -4168,10 +4174,6 @@
                 </a:rPr>
                 <a:t>E</a:t>
               </a:r>
-              <a:endParaRPr lang="en-US" sz="2800" dirty="0">
-                <a:latin typeface="Segoe UI Semibold" panose="020B0702040204020203" pitchFamily="34" charset="0"/>
-                <a:cs typeface="Segoe UI Semibold" panose="020B0702040204020203" pitchFamily="34" charset="0"/>
-              </a:endParaRPr>
             </a:p>
           </p:txBody>
         </p:sp>
@@ -5457,7 +5459,7 @@
         <p:spPr>
           <a:xfrm>
             <a:off x="8570802" y="222068"/>
-            <a:ext cx="2950638" cy="6186309"/>
+            <a:ext cx="2950638" cy="6001643"/>
           </a:xfrm>
           <a:prstGeom prst="rect">
             <a:avLst/>
@@ -5472,19 +5474,49 @@
           <a:p>
             <a:pPr algn="ctr"/>
             <a:r>
-              <a:rPr lang="es-MX" i="1" dirty="0" smtClean="0">
+              <a:rPr lang="es-MX" sz="1600" i="1" dirty="0" smtClean="0">
                 <a:solidFill>
                   <a:schemeClr val="bg2">
                     <a:lumMod val="25000"/>
                   </a:schemeClr>
                 </a:solidFill>
               </a:rPr>
-              <a:t>Esta es la pantalla de lectura, al centro está el panel de lectura en donde se mostrarán las diferentes tarjetas con el contenido de la historia.</a:t>
+              <a:t>Esta es la pantalla de </a:t>
+            </a:r>
+            <a:r>
+              <a:rPr lang="es-MX" sz="1600" i="1" dirty="0" smtClean="0">
+                <a:solidFill>
+                  <a:schemeClr val="bg2">
+                    <a:lumMod val="25000"/>
+                  </a:schemeClr>
+                </a:solidFill>
+              </a:rPr>
+              <a:t>lectura cuando se va a tomar una decisi</a:t>
+            </a:r>
+            <a:r>
+              <a:rPr lang="es-MX" sz="1600" i="1" dirty="0" smtClean="0">
+                <a:solidFill>
+                  <a:schemeClr val="bg2">
+                    <a:lumMod val="25000"/>
+                  </a:schemeClr>
+                </a:solidFill>
+              </a:rPr>
+              <a:t>ón.</a:t>
+            </a:r>
+            <a:r>
+              <a:rPr lang="es-MX" sz="1600" i="1" dirty="0" smtClean="0">
+                <a:solidFill>
+                  <a:schemeClr val="bg2">
+                    <a:lumMod val="25000"/>
+                  </a:schemeClr>
+                </a:solidFill>
+              </a:rPr>
+              <a:t> </a:t>
             </a:r>
           </a:p>
           <a:p>
             <a:pPr algn="ctr"/>
-            <a:endParaRPr lang="es-MX" i="1" dirty="0">
+            <a:endParaRPr lang="es-MX" sz="1600" i="1" dirty="0">
               <a:solidFill>
                 <a:schemeClr val="bg2">
                   <a:lumMod val="25000"/>
@@ -5495,7 +5527,50 @@
           <a:p>
             <a:pPr algn="ctr"/>
             <a:r>
-              <a:rPr lang="es-MX" i="1" dirty="0" smtClean="0">
+              <a:rPr lang="es-MX" sz="1600" i="1" dirty="0" smtClean="0">
+                <a:solidFill>
+                  <a:schemeClr val="bg2">
+                    <a:lumMod val="25000"/>
+                  </a:schemeClr>
+                </a:solidFill>
+              </a:rPr>
+              <a:t>A</a:t>
+            </a:r>
+            <a:r>
+              <a:rPr lang="es-MX" sz="1600" i="1" dirty="0" smtClean="0">
+                <a:solidFill>
+                  <a:schemeClr val="bg2">
+                    <a:lumMod val="25000"/>
+                  </a:schemeClr>
+                </a:solidFill>
+              </a:rPr>
+              <a:t>l </a:t>
+            </a:r>
+            <a:r>
+              <a:rPr lang="es-MX" sz="1600" i="1" dirty="0" smtClean="0">
+                <a:solidFill>
+                  <a:schemeClr val="bg2">
+                    <a:lumMod val="25000"/>
+                  </a:schemeClr>
+                </a:solidFill>
+              </a:rPr>
+              <a:t>centro está el panel de lectura en donde se mostrarán las diferentes tarjetas con el contenido de la historia.</a:t>
+            </a:r>
+          </a:p>
+          <a:p>
+            <a:pPr algn="ctr"/>
+            <a:endParaRPr lang="es-MX" sz="1600" i="1" dirty="0">
+              <a:solidFill>
+                <a:schemeClr val="bg2">
+                  <a:lumMod val="25000"/>
+                </a:schemeClr>
+              </a:solidFill>
+            </a:endParaRPr>
+          </a:p>
+          <a:p>
+            <a:pPr algn="ctr"/>
+            <a:r>
+              <a:rPr lang="es-MX" sz="1600" i="1" dirty="0" smtClean="0">
                 <a:solidFill>
                   <a:schemeClr val="bg2">
                     <a:lumMod val="25000"/>
@@ -5505,7 +5580,7 @@
               <a:t>El funcionamiento del panel de lectura es a través de Set </a:t>
             </a:r>
             <a:r>
-              <a:rPr lang="es-MX" i="1" dirty="0" err="1" smtClean="0">
+              <a:rPr lang="es-MX" sz="1600" i="1" dirty="0" err="1" smtClean="0">
                 <a:solidFill>
                   <a:schemeClr val="bg2">
                     <a:lumMod val="25000"/>
@@ -5515,7 +5590,7 @@
               <a:t>State</a:t>
             </a:r>
             <a:r>
-              <a:rPr lang="es-MX" i="1" dirty="0" smtClean="0">
+              <a:rPr lang="es-MX" sz="1600" i="1" dirty="0" smtClean="0">
                 <a:solidFill>
                   <a:schemeClr val="bg2">
                     <a:lumMod val="25000"/>
@@ -5525,7 +5600,7 @@
               <a:t> de </a:t>
             </a:r>
             <a:r>
-              <a:rPr lang="es-MX" i="1" dirty="0" err="1" smtClean="0">
+              <a:rPr lang="es-MX" sz="1600" i="1" dirty="0" err="1" smtClean="0">
                 <a:solidFill>
                   <a:schemeClr val="bg2">
                     <a:lumMod val="25000"/>
@@ -5535,7 +5610,7 @@
               <a:t>React</a:t>
             </a:r>
             <a:r>
-              <a:rPr lang="es-MX" i="1" dirty="0" smtClean="0">
+              <a:rPr lang="es-MX" sz="1600" i="1" dirty="0" smtClean="0">
                 <a:solidFill>
                   <a:schemeClr val="bg2">
                     <a:lumMod val="25000"/>
@@ -5547,7 +5622,7 @@
           </a:p>
           <a:p>
             <a:pPr algn="ctr"/>
-            <a:endParaRPr lang="es-MX" i="1" dirty="0">
+            <a:endParaRPr lang="es-MX" sz="1600" i="1" dirty="0" smtClean="0">
               <a:solidFill>
                 <a:schemeClr val="bg2">
                   <a:lumMod val="25000"/>
@@ -5558,17 +5633,29 @@
           <a:p>
             <a:pPr algn="ctr"/>
             <a:r>
-              <a:rPr lang="es-MX" i="1" dirty="0" smtClean="0">
+              <a:rPr lang="es-MX" sz="1600" i="1" dirty="0">
                 <a:solidFill>
-                  <a:schemeClr val="accent4"/>
+                  <a:schemeClr val="bg2">
+                    <a:lumMod val="25000"/>
+                  </a:schemeClr>
                 </a:solidFill>
               </a:rPr>
-              <a:t>¿El panel es desplazable en caso de que la tarjeta tenga un contenido de texto más amplio?</a:t>
+              <a:t>Los botones de la izquierda y la derecha sirven para que el usuario/lector tome las decisiones de la historia</a:t>
+            </a:r>
+            <a:r>
+              <a:rPr lang="es-MX" sz="1600" i="1" dirty="0" smtClean="0">
+                <a:solidFill>
+                  <a:schemeClr val="bg2">
+                    <a:lumMod val="25000"/>
+                  </a:schemeClr>
+                </a:solidFill>
+              </a:rPr>
+              <a:t>.</a:t>
             </a:r>
           </a:p>
           <a:p>
             <a:pPr algn="ctr"/>
-            <a:endParaRPr lang="es-MX" i="1" dirty="0">
+            <a:endParaRPr lang="es-MX" sz="1600" i="1" dirty="0">
               <a:solidFill>
                 <a:schemeClr val="bg2">
                   <a:lumMod val="25000"/>
@@ -5579,25 +5666,44 @@
           <a:p>
             <a:pPr algn="ctr"/>
             <a:r>
-              <a:rPr lang="es-MX" i="1" dirty="0" smtClean="0">
-                <a:solidFill>
-                  <a:schemeClr val="bg2">
-                    <a:lumMod val="25000"/>
-                  </a:schemeClr>
-                </a:solidFill>
-              </a:rPr>
-              <a:t>Los botones de la izquierda y la derecha sirven para que el usuario/lector tome las decisiones de la historia. </a:t>
-            </a:r>
-            <a:r>
-              <a:rPr lang="es-MX" i="1" dirty="0" smtClean="0">
+              <a:rPr lang="es-MX" sz="1600" i="1" dirty="0" smtClean="0">
                 <a:solidFill>
                   <a:schemeClr val="accent4"/>
                 </a:solidFill>
               </a:rPr>
-              <a:t>¿Los botones se modifican con Set </a:t>
-            </a:r>
-            <a:r>
-              <a:rPr lang="es-MX" i="1" dirty="0" err="1" smtClean="0">
+              <a:t>¿El panel es desplazable en caso de que la tarjeta tenga un contenido de texto más amplio?</a:t>
+            </a:r>
+          </a:p>
+          <a:p>
+            <a:pPr algn="ctr"/>
+            <a:endParaRPr lang="es-MX" sz="1600" i="1" dirty="0">
+              <a:solidFill>
+                <a:schemeClr val="bg2">
+                  <a:lumMod val="25000"/>
+                </a:schemeClr>
+              </a:solidFill>
+            </a:endParaRPr>
+          </a:p>
+          <a:p>
+            <a:pPr algn="ctr"/>
+            <a:r>
+              <a:rPr lang="es-MX" sz="1600" i="1" dirty="0" smtClean="0">
+                <a:solidFill>
+                  <a:schemeClr val="accent4"/>
+                </a:solidFill>
+              </a:rPr>
+              <a:t>¿</a:t>
+            </a:r>
+            <a:r>
+              <a:rPr lang="es-MX" sz="1600" i="1" dirty="0" smtClean="0">
+                <a:solidFill>
+                  <a:schemeClr val="accent4"/>
+                </a:solidFill>
+              </a:rPr>
+              <a:t>Los botones se modifican con Set </a:t>
+            </a:r>
+            <a:r>
+              <a:rPr lang="es-MX" sz="1600" i="1" dirty="0" err="1" smtClean="0">
                 <a:solidFill>
                   <a:schemeClr val="accent4"/>
                 </a:solidFill>
@@ -5605,14 +5711,14 @@
               <a:t>State</a:t>
             </a:r>
             <a:r>
-              <a:rPr lang="es-MX" i="1" dirty="0" smtClean="0">
+              <a:rPr lang="es-MX" sz="1600" i="1" dirty="0" smtClean="0">
                 <a:solidFill>
                   <a:schemeClr val="accent4"/>
                 </a:solidFill>
               </a:rPr>
               <a:t> también?</a:t>
             </a:r>
-            <a:endParaRPr lang="en-US" i="1" dirty="0">
+            <a:endParaRPr lang="en-US" sz="1600" i="1" dirty="0">
               <a:solidFill>
                 <a:schemeClr val="accent4"/>
               </a:solidFill>
@@ -5890,11 +5996,7 @@
             </a:r>
             <a:r>
               <a:rPr lang="es-MX" sz="1050" dirty="0" smtClean="0"/>
-              <a:t> 2 </a:t>
-            </a:r>
-            <a:r>
-              <a:rPr lang="es-MX" sz="1050" dirty="0" smtClean="0"/>
-              <a:t>→ Botón 2</a:t>
+              <a:t> 2 → Botón 2</a:t>
             </a:r>
             <a:endParaRPr lang="en-US" sz="800" dirty="0"/>
           </a:p>
@@ -6020,6 +6122,616 @@
 </file>
 
 <file path=ppt/slides/slide3.xml><?xml version="1.0" encoding="utf-8"?>
+<p:sld xmlns:a="http://schemas.openxmlformats.org/drawingml/2006/main" xmlns:r="http://schemas.openxmlformats.org/officeDocument/2006/relationships" xmlns:p="http://schemas.openxmlformats.org/presentationml/2006/main">
+  <p:cSld>
+    <p:spTree>
+      <p:nvGrpSpPr>
+        <p:cNvPr id="1" name=""/>
+        <p:cNvGrpSpPr/>
+        <p:nvPr/>
+      </p:nvGrpSpPr>
+      <p:grpSpPr>
+        <a:xfrm>
+          <a:off x="0" y="0"/>
+          <a:ext cx="0" cy="0"/>
+          <a:chOff x="0" y="0"/>
+          <a:chExt cx="0" cy="0"/>
+        </a:xfrm>
+      </p:grpSpPr>
+      <p:pic>
+        <p:nvPicPr>
+          <p:cNvPr id="45" name="Imagen 44"/>
+          <p:cNvPicPr>
+            <a:picLocks noChangeAspect="1"/>
+          </p:cNvPicPr>
+          <p:nvPr/>
+        </p:nvPicPr>
+        <p:blipFill>
+          <a:blip r:embed="rId2"/>
+          <a:stretch>
+            <a:fillRect/>
+          </a:stretch>
+        </p:blipFill>
+        <p:spPr>
+          <a:xfrm>
+            <a:off x="2442755" y="12075"/>
+            <a:ext cx="2625634" cy="1231179"/>
+          </a:xfrm>
+          <a:prstGeom prst="rect">
+            <a:avLst/>
+          </a:prstGeom>
+        </p:spPr>
+      </p:pic>
+      <p:sp>
+        <p:nvSpPr>
+          <p:cNvPr id="2" name="CuadroTexto 1"/>
+          <p:cNvSpPr txBox="1"/>
+          <p:nvPr/>
+        </p:nvSpPr>
+        <p:spPr>
+          <a:xfrm>
+            <a:off x="8570802" y="222068"/>
+            <a:ext cx="2950638" cy="6247864"/>
+          </a:xfrm>
+          <a:prstGeom prst="rect">
+            <a:avLst/>
+          </a:prstGeom>
+          <a:noFill/>
+        </p:spPr>
+        <p:txBody>
+          <a:bodyPr wrap="square" rtlCol="0">
+            <a:spAutoFit/>
+          </a:bodyPr>
+          <a:lstStyle/>
+          <a:p>
+            <a:pPr algn="ctr"/>
+            <a:r>
+              <a:rPr lang="es-MX" sz="1600" i="1" dirty="0" smtClean="0">
+                <a:solidFill>
+                  <a:schemeClr val="bg2">
+                    <a:lumMod val="25000"/>
+                  </a:schemeClr>
+                </a:solidFill>
+              </a:rPr>
+              <a:t>Esta es la pantalla de </a:t>
+            </a:r>
+            <a:r>
+              <a:rPr lang="es-MX" sz="1600" i="1" dirty="0" smtClean="0">
+                <a:solidFill>
+                  <a:schemeClr val="bg2">
+                    <a:lumMod val="25000"/>
+                  </a:schemeClr>
+                </a:solidFill>
+              </a:rPr>
+              <a:t>lectura cuando no hay decisiones que tomar y sólo se puede seguir leyendo o se llegó al final de alguno de los caminos.</a:t>
+            </a:r>
+          </a:p>
+          <a:p>
+            <a:pPr algn="ctr"/>
+            <a:endParaRPr lang="es-MX" sz="1600" i="1" dirty="0">
+              <a:solidFill>
+                <a:schemeClr val="bg2">
+                  <a:lumMod val="25000"/>
+                </a:schemeClr>
+              </a:solidFill>
+            </a:endParaRPr>
+          </a:p>
+          <a:p>
+            <a:pPr algn="ctr"/>
+            <a:r>
+              <a:rPr lang="es-MX" sz="1600" i="1" dirty="0" smtClean="0">
+                <a:solidFill>
+                  <a:schemeClr val="bg2">
+                    <a:lumMod val="25000"/>
+                  </a:schemeClr>
+                </a:solidFill>
+              </a:rPr>
+              <a:t>A</a:t>
+            </a:r>
+            <a:r>
+              <a:rPr lang="es-MX" sz="1600" i="1" dirty="0" smtClean="0">
+                <a:solidFill>
+                  <a:schemeClr val="bg2">
+                    <a:lumMod val="25000"/>
+                  </a:schemeClr>
+                </a:solidFill>
+              </a:rPr>
+              <a:t>l </a:t>
+            </a:r>
+            <a:r>
+              <a:rPr lang="es-MX" sz="1600" i="1" dirty="0" smtClean="0">
+                <a:solidFill>
+                  <a:schemeClr val="bg2">
+                    <a:lumMod val="25000"/>
+                  </a:schemeClr>
+                </a:solidFill>
+              </a:rPr>
+              <a:t>centro está el panel de lectura en donde se mostrarán las diferentes tarjetas con el contenido de la historia.</a:t>
+            </a:r>
+          </a:p>
+          <a:p>
+            <a:pPr algn="ctr"/>
+            <a:endParaRPr lang="es-MX" sz="1600" i="1" dirty="0">
+              <a:solidFill>
+                <a:schemeClr val="bg2">
+                  <a:lumMod val="25000"/>
+                </a:schemeClr>
+              </a:solidFill>
+            </a:endParaRPr>
+          </a:p>
+          <a:p>
+            <a:pPr algn="ctr"/>
+            <a:r>
+              <a:rPr lang="es-MX" sz="1600" i="1" dirty="0" smtClean="0">
+                <a:solidFill>
+                  <a:schemeClr val="bg2">
+                    <a:lumMod val="25000"/>
+                  </a:schemeClr>
+                </a:solidFill>
+              </a:rPr>
+              <a:t>El funcionamiento del panel de lectura es a través de Set </a:t>
+            </a:r>
+            <a:r>
+              <a:rPr lang="es-MX" sz="1600" i="1" dirty="0" err="1" smtClean="0">
+                <a:solidFill>
+                  <a:schemeClr val="bg2">
+                    <a:lumMod val="25000"/>
+                  </a:schemeClr>
+                </a:solidFill>
+              </a:rPr>
+              <a:t>State</a:t>
+            </a:r>
+            <a:r>
+              <a:rPr lang="es-MX" sz="1600" i="1" dirty="0" smtClean="0">
+                <a:solidFill>
+                  <a:schemeClr val="bg2">
+                    <a:lumMod val="25000"/>
+                  </a:schemeClr>
+                </a:solidFill>
+              </a:rPr>
+              <a:t> de </a:t>
+            </a:r>
+            <a:r>
+              <a:rPr lang="es-MX" sz="1600" i="1" dirty="0" err="1" smtClean="0">
+                <a:solidFill>
+                  <a:schemeClr val="bg2">
+                    <a:lumMod val="25000"/>
+                  </a:schemeClr>
+                </a:solidFill>
+              </a:rPr>
+              <a:t>React</a:t>
+            </a:r>
+            <a:r>
+              <a:rPr lang="es-MX" sz="1600" i="1" dirty="0" smtClean="0">
+                <a:solidFill>
+                  <a:schemeClr val="bg2">
+                    <a:lumMod val="25000"/>
+                  </a:schemeClr>
+                </a:solidFill>
+              </a:rPr>
+              <a:t>.</a:t>
+            </a:r>
+          </a:p>
+          <a:p>
+            <a:pPr algn="ctr"/>
+            <a:endParaRPr lang="es-MX" sz="1600" i="1" dirty="0" smtClean="0">
+              <a:solidFill>
+                <a:schemeClr val="bg2">
+                  <a:lumMod val="25000"/>
+                </a:schemeClr>
+              </a:solidFill>
+            </a:endParaRPr>
+          </a:p>
+          <a:p>
+            <a:pPr algn="ctr"/>
+            <a:r>
+              <a:rPr lang="es-MX" sz="1600" i="1" dirty="0" smtClean="0">
+                <a:solidFill>
+                  <a:schemeClr val="bg2">
+                    <a:lumMod val="25000"/>
+                  </a:schemeClr>
+                </a:solidFill>
+              </a:rPr>
+              <a:t>El botón </a:t>
+            </a:r>
+            <a:r>
+              <a:rPr lang="es-MX" sz="1600" i="1" dirty="0">
+                <a:solidFill>
+                  <a:schemeClr val="bg2">
+                    <a:lumMod val="25000"/>
+                  </a:schemeClr>
+                </a:solidFill>
+              </a:rPr>
+              <a:t>de la </a:t>
+            </a:r>
+            <a:r>
+              <a:rPr lang="es-MX" sz="1600" i="1" dirty="0" smtClean="0">
+                <a:solidFill>
+                  <a:schemeClr val="bg2">
+                    <a:lumMod val="25000"/>
+                  </a:schemeClr>
+                </a:solidFill>
+              </a:rPr>
+              <a:t>derecha sirve </a:t>
+            </a:r>
+            <a:r>
+              <a:rPr lang="es-MX" sz="1600" i="1" dirty="0">
+                <a:solidFill>
+                  <a:schemeClr val="bg2">
+                    <a:lumMod val="25000"/>
+                  </a:schemeClr>
+                </a:solidFill>
+              </a:rPr>
+              <a:t>para que el usuario/lector </a:t>
+            </a:r>
+            <a:r>
+              <a:rPr lang="es-MX" sz="1600" i="1" dirty="0" smtClean="0">
+                <a:solidFill>
+                  <a:schemeClr val="bg2">
+                    <a:lumMod val="25000"/>
+                  </a:schemeClr>
+                </a:solidFill>
+              </a:rPr>
+              <a:t>siga </a:t>
+            </a:r>
+            <a:r>
+              <a:rPr lang="es-MX" sz="1600" i="1" dirty="0" err="1" smtClean="0">
+                <a:solidFill>
+                  <a:schemeClr val="bg2">
+                    <a:lumMod val="25000"/>
+                  </a:schemeClr>
+                </a:solidFill>
+              </a:rPr>
+              <a:t>leyengo</a:t>
+            </a:r>
+            <a:r>
+              <a:rPr lang="es-MX" sz="1600" i="1" dirty="0" smtClean="0">
+                <a:solidFill>
+                  <a:schemeClr val="bg2">
+                    <a:lumMod val="25000"/>
+                  </a:schemeClr>
+                </a:solidFill>
+              </a:rPr>
+              <a:t> o finalice la lectura.</a:t>
+            </a:r>
+          </a:p>
+          <a:p>
+            <a:pPr algn="ctr"/>
+            <a:endParaRPr lang="es-MX" sz="1600" i="1" dirty="0">
+              <a:solidFill>
+                <a:schemeClr val="bg2">
+                  <a:lumMod val="25000"/>
+                </a:schemeClr>
+              </a:solidFill>
+            </a:endParaRPr>
+          </a:p>
+          <a:p>
+            <a:pPr algn="ctr"/>
+            <a:r>
+              <a:rPr lang="es-MX" sz="1600" i="1" dirty="0" smtClean="0">
+                <a:solidFill>
+                  <a:schemeClr val="accent4"/>
+                </a:solidFill>
+              </a:rPr>
+              <a:t>¿El panel es desplazable en caso de que la tarjeta tenga un contenido de texto más amplio?</a:t>
+            </a:r>
+          </a:p>
+          <a:p>
+            <a:pPr algn="ctr"/>
+            <a:endParaRPr lang="es-MX" sz="1600" i="1" dirty="0">
+              <a:solidFill>
+                <a:schemeClr val="bg2">
+                  <a:lumMod val="25000"/>
+                </a:schemeClr>
+              </a:solidFill>
+            </a:endParaRPr>
+          </a:p>
+          <a:p>
+            <a:pPr algn="ctr"/>
+            <a:r>
+              <a:rPr lang="es-MX" sz="1600" i="1" dirty="0" smtClean="0">
+                <a:solidFill>
+                  <a:schemeClr val="accent4"/>
+                </a:solidFill>
+              </a:rPr>
+              <a:t>¿</a:t>
+            </a:r>
+            <a:r>
+              <a:rPr lang="es-MX" sz="1600" i="1" dirty="0" smtClean="0">
+                <a:solidFill>
+                  <a:schemeClr val="accent4"/>
+                </a:solidFill>
+              </a:rPr>
+              <a:t>Los botones se modifican con Set </a:t>
+            </a:r>
+            <a:r>
+              <a:rPr lang="es-MX" sz="1600" i="1" dirty="0" err="1" smtClean="0">
+                <a:solidFill>
+                  <a:schemeClr val="accent4"/>
+                </a:solidFill>
+              </a:rPr>
+              <a:t>State</a:t>
+            </a:r>
+            <a:r>
+              <a:rPr lang="es-MX" sz="1600" i="1" dirty="0" smtClean="0">
+                <a:solidFill>
+                  <a:schemeClr val="accent4"/>
+                </a:solidFill>
+              </a:rPr>
+              <a:t> también?</a:t>
+            </a:r>
+            <a:endParaRPr lang="en-US" sz="1600" i="1" dirty="0">
+              <a:solidFill>
+                <a:schemeClr val="accent4"/>
+              </a:solidFill>
+            </a:endParaRPr>
+          </a:p>
+        </p:txBody>
+      </p:sp>
+      <p:sp>
+        <p:nvSpPr>
+          <p:cNvPr id="3" name="Marco 2"/>
+          <p:cNvSpPr/>
+          <p:nvPr/>
+        </p:nvSpPr>
+        <p:spPr>
+          <a:xfrm>
+            <a:off x="2011679" y="1243254"/>
+            <a:ext cx="3722913" cy="5497180"/>
+          </a:xfrm>
+          <a:prstGeom prst="frame">
+            <a:avLst>
+              <a:gd name="adj1" fmla="val 1453"/>
+            </a:avLst>
+          </a:prstGeom>
+          <a:solidFill>
+            <a:schemeClr val="bg1">
+              <a:lumMod val="50000"/>
+            </a:schemeClr>
+          </a:solidFill>
+          <a:ln>
+            <a:solidFill>
+              <a:schemeClr val="bg1">
+                <a:lumMod val="50000"/>
+              </a:schemeClr>
+            </a:solidFill>
+          </a:ln>
+        </p:spPr>
+        <p:style>
+          <a:lnRef idx="2">
+            <a:schemeClr val="accent1">
+              <a:shade val="50000"/>
+            </a:schemeClr>
+          </a:lnRef>
+          <a:fillRef idx="1">
+            <a:schemeClr val="accent1"/>
+          </a:fillRef>
+          <a:effectRef idx="0">
+            <a:schemeClr val="accent1"/>
+          </a:effectRef>
+          <a:fontRef idx="minor">
+            <a:schemeClr val="lt1"/>
+          </a:fontRef>
+        </p:style>
+        <p:txBody>
+          <a:bodyPr rtlCol="0" anchor="ctr"/>
+          <a:lstStyle/>
+          <a:p>
+            <a:pPr algn="ctr"/>
+            <a:endParaRPr lang="en-US">
+              <a:solidFill>
+                <a:schemeClr val="tx1"/>
+              </a:solidFill>
+            </a:endParaRPr>
+          </a:p>
+        </p:txBody>
+      </p:sp>
+      <p:sp>
+        <p:nvSpPr>
+          <p:cNvPr id="51" name="Rectángulo redondeado 50"/>
+          <p:cNvSpPr/>
+          <p:nvPr/>
+        </p:nvSpPr>
+        <p:spPr>
+          <a:xfrm>
+            <a:off x="6244043" y="3122023"/>
+            <a:ext cx="1881053" cy="496387"/>
+          </a:xfrm>
+          <a:prstGeom prst="roundRect">
+            <a:avLst/>
+          </a:prstGeom>
+          <a:noFill/>
+          <a:ln w="28575">
+            <a:solidFill>
+              <a:schemeClr val="accent4"/>
+            </a:solidFill>
+          </a:ln>
+        </p:spPr>
+        <p:style>
+          <a:lnRef idx="2">
+            <a:schemeClr val="accent1">
+              <a:shade val="50000"/>
+            </a:schemeClr>
+          </a:lnRef>
+          <a:fillRef idx="1">
+            <a:schemeClr val="accent1"/>
+          </a:fillRef>
+          <a:effectRef idx="0">
+            <a:schemeClr val="accent1"/>
+          </a:effectRef>
+          <a:fontRef idx="minor">
+            <a:schemeClr val="lt1"/>
+          </a:fontRef>
+        </p:style>
+        <p:txBody>
+          <a:bodyPr rtlCol="0" anchor="ctr"/>
+          <a:lstStyle/>
+          <a:p>
+            <a:pPr algn="r"/>
+            <a:r>
+              <a:rPr lang="es-MX" sz="1400" dirty="0" smtClean="0">
+                <a:solidFill>
+                  <a:schemeClr val="tx1"/>
+                </a:solidFill>
+              </a:rPr>
+              <a:t>Sigue leyendo/Fin</a:t>
+            </a:r>
+            <a:endParaRPr lang="en-US" sz="1400" dirty="0">
+              <a:solidFill>
+                <a:schemeClr val="tx1"/>
+              </a:solidFill>
+            </a:endParaRPr>
+          </a:p>
+        </p:txBody>
+      </p:sp>
+      <p:pic>
+        <p:nvPicPr>
+          <p:cNvPr id="52" name="Picture 2" descr="Vectores, imágenes y arte vectorial de stock sobre Bumble Icon ..."/>
+          <p:cNvPicPr>
+            <a:picLocks noChangeAspect="1" noChangeArrowheads="1"/>
+          </p:cNvPicPr>
+          <p:nvPr/>
+        </p:nvPicPr>
+        <p:blipFill rotWithShape="1">
+          <a:blip r:embed="rId3" cstate="print">
+            <a:biLevel thresh="75000"/>
+            <a:extLst>
+              <a:ext uri="{28A0092B-C50C-407E-A947-70E740481C1C}">
+                <a14:useLocalDpi xmlns:a14="http://schemas.microsoft.com/office/drawing/2010/main" val="0"/>
+              </a:ext>
+            </a:extLst>
+          </a:blip>
+          <a:srcRect l="24264" t="22153" r="24044" b="29847"/>
+          <a:stretch/>
+        </p:blipFill>
+        <p:spPr bwMode="auto">
+          <a:xfrm rot="2446390">
+            <a:off x="6306935" y="3216957"/>
+            <a:ext cx="306516" cy="306516"/>
+          </a:xfrm>
+          <a:prstGeom prst="rect">
+            <a:avLst/>
+          </a:prstGeom>
+          <a:noFill/>
+          <a:extLst>
+            <a:ext uri="{909E8E84-426E-40DD-AFC4-6F175D3DCCD1}">
+              <a14:hiddenFill xmlns:a14="http://schemas.microsoft.com/office/drawing/2010/main">
+                <a:solidFill>
+                  <a:srgbClr val="FFFFFF"/>
+                </a:solidFill>
+              </a14:hiddenFill>
+            </a:ext>
+          </a:extLst>
+        </p:spPr>
+      </p:pic>
+      <p:sp>
+        <p:nvSpPr>
+          <p:cNvPr id="54" name="CuadroTexto 53"/>
+          <p:cNvSpPr txBox="1"/>
+          <p:nvPr/>
+        </p:nvSpPr>
+        <p:spPr>
+          <a:xfrm>
+            <a:off x="2325189" y="1534052"/>
+            <a:ext cx="3108960" cy="4131900"/>
+          </a:xfrm>
+          <a:prstGeom prst="rect">
+            <a:avLst/>
+          </a:prstGeom>
+          <a:noFill/>
+        </p:spPr>
+        <p:txBody>
+          <a:bodyPr wrap="square" rtlCol="0">
+            <a:spAutoFit/>
+          </a:bodyPr>
+          <a:lstStyle/>
+          <a:p>
+            <a:pPr algn="just"/>
+            <a:r>
+              <a:rPr lang="en-US" sz="1050" dirty="0" smtClean="0"/>
+              <a:t>What is Lorem Ipsum?</a:t>
+            </a:r>
+          </a:p>
+          <a:p>
+            <a:pPr algn="just"/>
+            <a:endParaRPr lang="en-US" sz="1050" dirty="0" smtClean="0"/>
+          </a:p>
+          <a:p>
+            <a:pPr algn="just"/>
+            <a:r>
+              <a:rPr lang="en-US" sz="1050" dirty="0" smtClean="0"/>
+              <a:t>Lorem Ipsum is simply dummy text of the printing and typesetting industry. Lorem Ipsum has been the industry's standard dummy text ever since the 1500s, when an unknown printer took a galley of type and scrambled it to make a type specimen book. It has survived not only five centuries, but also the leap into electronic typesetting, remaining essentially unchanged. It was </a:t>
+            </a:r>
+            <a:r>
+              <a:rPr lang="en-US" sz="1050" dirty="0" err="1" smtClean="0"/>
+              <a:t>popularised</a:t>
+            </a:r>
+            <a:r>
+              <a:rPr lang="en-US" sz="1050" dirty="0" smtClean="0"/>
+              <a:t> in the 1960s with the release of </a:t>
+            </a:r>
+            <a:r>
+              <a:rPr lang="en-US" sz="1050" dirty="0" err="1" smtClean="0"/>
+              <a:t>Letraset</a:t>
+            </a:r>
+            <a:r>
+              <a:rPr lang="en-US" sz="1050" dirty="0" smtClean="0"/>
+              <a:t> sheets containing Lorem Ipsum passages, and more recently with desktop publishing software like Aldus PageMaker including versions of Lorem Ipsum.</a:t>
+            </a:r>
+          </a:p>
+          <a:p>
+            <a:pPr algn="just"/>
+            <a:endParaRPr lang="en-US" sz="1050" dirty="0" smtClean="0"/>
+          </a:p>
+          <a:p>
+            <a:pPr algn="just"/>
+            <a:r>
+              <a:rPr lang="en-US" sz="1050" dirty="0" smtClean="0"/>
+              <a:t>Why do we use it?</a:t>
+            </a:r>
+          </a:p>
+          <a:p>
+            <a:pPr algn="just"/>
+            <a:endParaRPr lang="en-US" sz="1050" dirty="0" smtClean="0"/>
+          </a:p>
+          <a:p>
+            <a:pPr algn="just"/>
+            <a:r>
+              <a:rPr lang="en-US" sz="1050" dirty="0" smtClean="0"/>
+              <a:t>It is a long established fact that a reader will be distracted by the readable content of a page when looking at its layout. The point of using Lorem Ipsum is that it has a more-or-less normal distribution of letters, as opposed to using 'Content here, content here', making it look like readable English.</a:t>
+            </a:r>
+          </a:p>
+          <a:p>
+            <a:pPr algn="just"/>
+            <a:endParaRPr lang="es-MX" sz="1050" dirty="0"/>
+          </a:p>
+          <a:p>
+            <a:pPr marL="171450" indent="-171450" algn="just">
+              <a:buFont typeface="Arial" panose="020B0604020202020204" pitchFamily="34" charset="0"/>
+              <a:buChar char="•"/>
+            </a:pPr>
+            <a:r>
+              <a:rPr lang="es-MX" sz="1050" dirty="0" smtClean="0"/>
+              <a:t>Sigue leyendo.</a:t>
+            </a:r>
+            <a:endParaRPr lang="es-MX" sz="1050" dirty="0" smtClean="0"/>
+          </a:p>
+        </p:txBody>
+      </p:sp>
+    </p:spTree>
+    <p:extLst>
+      <p:ext uri="{BB962C8B-B14F-4D97-AF65-F5344CB8AC3E}">
+        <p14:creationId xmlns:p14="http://schemas.microsoft.com/office/powerpoint/2010/main" val="3317174645"/>
+      </p:ext>
+    </p:extLst>
+  </p:cSld>
+  <p:clrMapOvr>
+    <a:masterClrMapping/>
+  </p:clrMapOvr>
+</p:sld>
+</file>
+
+<file path=ppt/slides/slide4.xml><?xml version="1.0" encoding="utf-8"?>
 <p:sld xmlns:a="http://schemas.openxmlformats.org/drawingml/2006/main" xmlns:r="http://schemas.openxmlformats.org/officeDocument/2006/relationships" xmlns:p="http://schemas.openxmlformats.org/presentationml/2006/main">
   <p:cSld>
     <p:spTree>
@@ -7238,10 +7950,6 @@
                 </a:rPr>
                 <a:t>E</a:t>
               </a:r>
-              <a:endParaRPr lang="en-US" sz="2800" dirty="0">
-                <a:latin typeface="Segoe UI Semibold" panose="020B0702040204020203" pitchFamily="34" charset="0"/>
-                <a:cs typeface="Segoe UI Semibold" panose="020B0702040204020203" pitchFamily="34" charset="0"/>
-              </a:endParaRPr>
             </a:p>
           </p:txBody>
         </p:sp>
